--- a/Documentation/TDL_Presentation_RM.pptx
+++ b/Documentation/TDL_Presentation_RM.pptx
@@ -26598,7 +26598,7 @@
             </a:pPr>
             <a:r>
               <a:rPr lang="en-GB" dirty="0"/>
-              <a:t>A To Do List Web Application that would be able to crate a to do lists with CRUD functionality and have an ability to add or remove items from specific lists.</a:t>
+              <a:t>A To Do List Web Application that would be able to create a to do lists with CRUD functionality and have an ability to add or remove items from specific lists.</a:t>
             </a:r>
           </a:p>
           <a:p>
